--- a/swapna.pptx
+++ b/swapna.pptx
@@ -230,7 +230,7 @@
             <a:fld id="{86C988DC-9DE3-4390-97AB-D61B85DACE57}" type="datetimeFigureOut">
               <a:rPr lang="pt-PT" sz="900" smtClean="0"/>
               <a:pPr/>
-              <a:t>14/03/2022</a:t>
+              <a:t>07/05/2022</a:t>
             </a:fld>
             <a:endParaRPr lang="pt-PT" sz="900"/>
           </a:p>
@@ -409,7 +409,7 @@
             <a:fld id="{0835B8F7-DAC4-4931-8AED-4356A8B2FD64}" type="datetimeFigureOut">
               <a:rPr lang="pt-BR" smtClean="0"/>
               <a:pPr/>
-              <a:t>14/03/2022</a:t>
+              <a:t>07/05/2022</a:t>
             </a:fld>
             <a:endParaRPr lang="pt-BR"/>
           </a:p>
@@ -3487,7 +3487,7 @@
             <a:fld id="{EF36E774-7929-443D-927A-D7EE355F642D}" type="datetimeFigureOut">
               <a:rPr lang="en-US" smtClean="0"/>
               <a:pPr/>
-              <a:t>3/14/2022</a:t>
+              <a:t>5/7/2022</a:t>
             </a:fld>
             <a:endParaRPr lang="en-IN"/>
           </a:p>
@@ -3639,15 +3639,7 @@
             </a:pPr>
             <a:r>
               <a:rPr lang="en-US" altLang="en-US" b="1" dirty="0"/>
-              <a:t>On </a:t>
-            </a:r>
-            <a:r>
-              <a:rPr lang="en-US" altLang="en-US" b="1" dirty="0" err="1"/>
-              <a:t>demond</a:t>
-            </a:r>
-            <a:r>
-              <a:rPr lang="en-US" altLang="en-US" b="1" dirty="0"/>
-              <a:t> car wash system</a:t>
+              <a:t>On demand car wash system</a:t>
             </a:r>
           </a:p>
           <a:p>
@@ -3856,7 +3848,7 @@
               </a:spcBef>
             </a:pPr>
             <a:r>
-              <a:rPr lang="nl-NL" altLang="nl-NL"/>
+              <a:rPr lang="nl-NL" altLang="nl-NL" dirty="0"/>
               <a:t>Analyst/Software Engineer</a:t>
             </a:r>
           </a:p>
@@ -3929,7 +3921,7 @@
             <a:pPr eaLnBrk="1" hangingPunct="1"/>
             <a:r>
               <a:rPr lang="nl-NL" altLang="nl-NL" dirty="0"/>
-              <a:t>Midasanametla.swapna@capgemini.com</a:t>
+              <a:t>Swapna.midasanametla@capgemini.com</a:t>
             </a:r>
           </a:p>
         </p:txBody>
@@ -5941,6 +5933,21 @@
 </file>
 
 <file path=customXml/item1.xml><?xml version="1.0" encoding="utf-8"?>
+<p:properties xmlns:p="http://schemas.microsoft.com/office/2006/metadata/properties" xmlns:xsi="http://www.w3.org/2001/XMLSchema-instance" xmlns:pc="http://schemas.microsoft.com/office/infopath/2007/PartnerControls">
+  <documentManagement/>
+</p:properties>
+</file>
+
+<file path=customXml/item2.xml><?xml version="1.0" encoding="utf-8"?>
+<?mso-contentType ?>
+<FormTemplates xmlns="http://schemas.microsoft.com/sharepoint/v3/contenttype/forms">
+  <Display>DocumentLibraryForm</Display>
+  <Edit>DocumentLibraryForm</Edit>
+  <New>DocumentLibraryForm</New>
+</FormTemplates>
+</file>
+
+<file path=customXml/item3.xml><?xml version="1.0" encoding="utf-8"?>
 <ct:contentTypeSchema xmlns:ct="http://schemas.microsoft.com/office/2006/metadata/contentType" xmlns:ma="http://schemas.microsoft.com/office/2006/metadata/properties/metaAttributes" ct:_="" ma:_="" ma:contentTypeName="Document" ma:contentTypeID="0x0101005002ACB8F81EC8489A4DF17045E90748" ma:contentTypeVersion="7" ma:contentTypeDescription="Create a new document." ma:contentTypeScope="" ma:versionID="14eca6baf0dc776edd3b59ffa3a025ba">
   <xsd:schema xmlns:xsd="http://www.w3.org/2001/XMLSchema" xmlns:xs="http://www.w3.org/2001/XMLSchema" xmlns:p="http://schemas.microsoft.com/office/2006/metadata/properties" xmlns:ns3="fd33c62d-2c11-46e7-88a2-e90fa986d9d0" xmlns:ns4="47da6acf-edf2-43bc-9595-f721a214a14e" targetNamespace="http://schemas.microsoft.com/office/2006/metadata/properties" ma:root="true" ma:fieldsID="5aa4caa8a8c18e5332c88e7cf95cf085" ns3:_="" ns4:_="">
     <xsd:import namespace="fd33c62d-2c11-46e7-88a2-e90fa986d9d0"/>
@@ -6125,22 +6132,32 @@
 </ct:contentTypeSchema>
 </file>
 
-<file path=customXml/item2.xml><?xml version="1.0" encoding="utf-8"?>
-<?mso-contentType ?>
-<FormTemplates xmlns="http://schemas.microsoft.com/sharepoint/v3/contenttype/forms">
-  <Display>DocumentLibraryForm</Display>
-  <Edit>DocumentLibraryForm</Edit>
-  <New>DocumentLibraryForm</New>
-</FormTemplates>
+<file path=customXml/itemProps1.xml><?xml version="1.0" encoding="utf-8"?>
+<ds:datastoreItem xmlns:ds="http://schemas.openxmlformats.org/officeDocument/2006/customXml" ds:itemID="{A2EFE742-3A8E-4E5A-B843-9354826E5980}">
+  <ds:schemaRefs>
+    <ds:schemaRef ds:uri="http://purl.org/dc/terms/"/>
+    <ds:schemaRef ds:uri="http://schemas.microsoft.com/office/2006/documentManagement/types"/>
+    <ds:schemaRef ds:uri="fd33c62d-2c11-46e7-88a2-e90fa986d9d0"/>
+    <ds:schemaRef ds:uri="http://purl.org/dc/elements/1.1/"/>
+    <ds:schemaRef ds:uri="http://schemas.microsoft.com/office/2006/metadata/properties"/>
+    <ds:schemaRef ds:uri="http://schemas.openxmlformats.org/package/2006/metadata/core-properties"/>
+    <ds:schemaRef ds:uri="http://schemas.microsoft.com/office/infopath/2007/PartnerControls"/>
+    <ds:schemaRef ds:uri="47da6acf-edf2-43bc-9595-f721a214a14e"/>
+    <ds:schemaRef ds:uri="http://www.w3.org/XML/1998/namespace"/>
+    <ds:schemaRef ds:uri="http://purl.org/dc/dcmitype/"/>
+  </ds:schemaRefs>
+</ds:datastoreItem>
 </file>
 
-<file path=customXml/item3.xml><?xml version="1.0" encoding="utf-8"?>
-<p:properties xmlns:p="http://schemas.microsoft.com/office/2006/metadata/properties" xmlns:xsi="http://www.w3.org/2001/XMLSchema-instance" xmlns:pc="http://schemas.microsoft.com/office/infopath/2007/PartnerControls">
-  <documentManagement/>
-</p:properties>
+<file path=customXml/itemProps2.xml><?xml version="1.0" encoding="utf-8"?>
+<ds:datastoreItem xmlns:ds="http://schemas.openxmlformats.org/officeDocument/2006/customXml" ds:itemID="{86B5E10D-1A37-4C30-B41B-C15D05619982}">
+  <ds:schemaRefs>
+    <ds:schemaRef ds:uri="http://schemas.microsoft.com/sharepoint/v3/contenttype/forms"/>
+  </ds:schemaRefs>
+</ds:datastoreItem>
 </file>
 
-<file path=customXml/itemProps1.xml><?xml version="1.0" encoding="utf-8"?>
+<file path=customXml/itemProps3.xml><?xml version="1.0" encoding="utf-8"?>
 <ds:datastoreItem xmlns:ds="http://schemas.openxmlformats.org/officeDocument/2006/customXml" ds:itemID="{E4D25D96-23E3-4774-8182-19BEEAF42C67}">
   <ds:schemaRefs>
     <ds:schemaRef ds:uri="http://schemas.microsoft.com/office/2006/metadata/contentType"/>
@@ -6157,29 +6174,4 @@
     <ds:schemaRef ds:uri="http://schemas.microsoft.com/internal/obd"/>
   </ds:schemaRefs>
 </ds:datastoreItem>
-</file>
-
-<file path=customXml/itemProps2.xml><?xml version="1.0" encoding="utf-8"?>
-<ds:datastoreItem xmlns:ds="http://schemas.openxmlformats.org/officeDocument/2006/customXml" ds:itemID="{86B5E10D-1A37-4C30-B41B-C15D05619982}">
-  <ds:schemaRefs>
-    <ds:schemaRef ds:uri="http://schemas.microsoft.com/sharepoint/v3/contenttype/forms"/>
-  </ds:schemaRefs>
-</ds:datastoreItem>
-</file>
-
-<file path=customXml/itemProps3.xml><?xml version="1.0" encoding="utf-8"?>
-<ds:datastoreItem xmlns:ds="http://schemas.openxmlformats.org/officeDocument/2006/customXml" ds:itemID="{A2EFE742-3A8E-4E5A-B843-9354826E5980}">
-  <ds:schemaRefs>
-    <ds:schemaRef ds:uri="http://purl.org/dc/terms/"/>
-    <ds:schemaRef ds:uri="http://schemas.microsoft.com/office/2006/documentManagement/types"/>
-    <ds:schemaRef ds:uri="fd33c62d-2c11-46e7-88a2-e90fa986d9d0"/>
-    <ds:schemaRef ds:uri="http://purl.org/dc/elements/1.1/"/>
-    <ds:schemaRef ds:uri="http://schemas.microsoft.com/office/2006/metadata/properties"/>
-    <ds:schemaRef ds:uri="http://schemas.openxmlformats.org/package/2006/metadata/core-properties"/>
-    <ds:schemaRef ds:uri="http://schemas.microsoft.com/office/infopath/2007/PartnerControls"/>
-    <ds:schemaRef ds:uri="47da6acf-edf2-43bc-9595-f721a214a14e"/>
-    <ds:schemaRef ds:uri="http://www.w3.org/XML/1998/namespace"/>
-    <ds:schemaRef ds:uri="http://purl.org/dc/dcmitype/"/>
-  </ds:schemaRefs>
-</ds:datastoreItem>
 </file>